--- a/day7_6_10_2025/day7_6_10_25.pptx
+++ b/day7_6_10_2025/day7_6_10_25.pptx
@@ -6,8 +6,10 @@
   </p:sldMasterIdLst>
   <p:sldIdLst>
     <p:sldId id="256" r:id="rId2"/>
-    <p:sldId id="257" r:id="rId3"/>
-    <p:sldId id="258" r:id="rId4"/>
+    <p:sldId id="260" r:id="rId3"/>
+    <p:sldId id="257" r:id="rId4"/>
+    <p:sldId id="259" r:id="rId5"/>
+    <p:sldId id="258" r:id="rId6"/>
   </p:sldIdLst>
   <p:sldSz cx="12192000" cy="6858000"/>
   <p:notesSz cx="6858000" cy="9144000"/>
@@ -3364,7 +3366,7 @@
         <p:spPr>
           <a:xfrm>
             <a:off x="772510" y="362607"/>
-            <a:ext cx="10547131" cy="6001643"/>
+            <a:ext cx="10547131" cy="6370975"/>
           </a:xfrm>
           <a:prstGeom prst="rect">
             <a:avLst/>
@@ -3423,9 +3425,6 @@
             </a:r>
           </a:p>
           <a:p>
-            <a:endParaRPr lang="en-IN" sz="2400" dirty="0"/>
-          </a:p>
-          <a:p>
             <a:r>
               <a:rPr lang="en-IN" sz="2400" dirty="0"/>
               <a:t>Implement all CRUD methods in repo and service layer and test in it the main class.</a:t>
@@ -3435,9 +3434,6 @@
             <a:endParaRPr lang="en-IN" sz="2400" dirty="0"/>
           </a:p>
           <a:p>
-            <a:endParaRPr lang="en-IN" sz="2400" dirty="0"/>
-          </a:p>
-          <a:p>
             <a:r>
               <a:rPr lang="en-IN" sz="2400" dirty="0"/>
               <a:t>Ex2: Create derived queries to </a:t>
@@ -3473,13 +3469,25 @@
           <a:p>
             <a:r>
               <a:rPr lang="en-IN" sz="2400" dirty="0"/>
-              <a:t>Ex3: Modify Employee management application to introduce REST Controller with all Mappings . The URL will be </a:t>
-            </a:r>
-            <a:r>
-              <a:rPr lang="en-IN" sz="2400"/>
-              <a:t>/emp  </a:t>
-            </a:r>
+              <a:t>Ex3: Modify Employee management application to introduce REST Controller with all Mappings . The URL will be /emp  </a:t>
+            </a:r>
+          </a:p>
+          <a:p>
             <a:endParaRPr lang="en-IN" sz="2400" dirty="0"/>
+          </a:p>
+          <a:p>
+            <a:r>
+              <a:rPr lang="en-IN" sz="2400" dirty="0"/>
+              <a:t>Ex4: update your </a:t>
+            </a:r>
+            <a:r>
+              <a:rPr lang="en-IN" sz="2400" dirty="0" err="1"/>
+              <a:t>empmanagement</a:t>
+            </a:r>
+            <a:r>
+              <a:rPr lang="en-IN" sz="2400" dirty="0"/>
+              <a:t> code to include status code and swagger documentation</a:t>
+            </a:r>
           </a:p>
         </p:txBody>
       </p:sp>
@@ -3515,10 +3523,10 @@
       </p:grpSpPr>
       <p:sp>
         <p:nvSpPr>
-          <p:cNvPr id="2" name="TextBox 1">
-            <a:extLst>
-              <a:ext uri="{FF2B5EF4-FFF2-40B4-BE49-F238E27FC236}">
-                <a16:creationId xmlns:a16="http://schemas.microsoft.com/office/drawing/2014/main" id="{47F7AD71-1453-73CF-5EBE-0BE7EEB22B6A}"/>
+          <p:cNvPr id="3" name="TextBox 2">
+            <a:extLst>
+              <a:ext uri="{FF2B5EF4-FFF2-40B4-BE49-F238E27FC236}">
+                <a16:creationId xmlns:a16="http://schemas.microsoft.com/office/drawing/2014/main" id="{2FBB78E9-3A6F-7975-237C-BDFA0E515DB3}"/>
               </a:ext>
             </a:extLst>
           </p:cNvPr>
@@ -3527,7 +3535,221 @@
         </p:nvSpPr>
         <p:spPr>
           <a:xfrm>
-            <a:off x="1237593" y="725214"/>
+            <a:off x="504497" y="291662"/>
+            <a:ext cx="11256579" cy="5078313"/>
+          </a:xfrm>
+          <a:prstGeom prst="rect">
+            <a:avLst/>
+          </a:prstGeom>
+          <a:noFill/>
+        </p:spPr>
+        <p:txBody>
+          <a:bodyPr wrap="square" rtlCol="0">
+            <a:spAutoFit/>
+          </a:bodyPr>
+          <a:lstStyle/>
+          <a:p>
+            <a:r>
+              <a:rPr lang="en-IN" dirty="0"/>
+              <a:t>Ex5:Create a spring boot application having an Entity called </a:t>
+            </a:r>
+            <a:r>
+              <a:rPr lang="en-IN" dirty="0" err="1"/>
+              <a:t>OTTContent</a:t>
+            </a:r>
+            <a:r>
+              <a:rPr lang="en-IN" dirty="0"/>
+              <a:t> with the following properties:</a:t>
+            </a:r>
+          </a:p>
+          <a:p>
+            <a:endParaRPr lang="en-IN" dirty="0"/>
+          </a:p>
+          <a:p>
+            <a:r>
+              <a:rPr lang="en-IN" dirty="0"/>
+              <a:t>Id : int</a:t>
+            </a:r>
+          </a:p>
+          <a:p>
+            <a:r>
+              <a:rPr lang="en-IN" dirty="0" err="1"/>
+              <a:t>contentType</a:t>
+            </a:r>
+            <a:r>
+              <a:rPr lang="en-IN" dirty="0"/>
+              <a:t> : Web Series , </a:t>
+            </a:r>
+            <a:r>
+              <a:rPr lang="en-IN" dirty="0" err="1"/>
+              <a:t>Movie,Documentary</a:t>
+            </a:r>
+            <a:r>
+              <a:rPr lang="en-IN" dirty="0"/>
+              <a:t> etc</a:t>
+            </a:r>
+          </a:p>
+          <a:p>
+            <a:r>
+              <a:rPr lang="en-IN" dirty="0"/>
+              <a:t>Description /Title</a:t>
+            </a:r>
+          </a:p>
+          <a:p>
+            <a:r>
+              <a:rPr lang="en-IN" dirty="0"/>
+              <a:t>Duration : I minutes</a:t>
+            </a:r>
+          </a:p>
+          <a:p>
+            <a:r>
+              <a:rPr lang="en-IN" dirty="0"/>
+              <a:t>Language: English/Hindi etc</a:t>
+            </a:r>
+          </a:p>
+          <a:p>
+            <a:r>
+              <a:rPr lang="en-IN" dirty="0"/>
+              <a:t>Platform : </a:t>
+            </a:r>
+            <a:r>
+              <a:rPr lang="en-IN" dirty="0" err="1"/>
+              <a:t>NetFlix</a:t>
+            </a:r>
+            <a:r>
+              <a:rPr lang="en-IN" dirty="0"/>
+              <a:t>/ Prime/Zee5</a:t>
+            </a:r>
+          </a:p>
+          <a:p>
+            <a:endParaRPr lang="en-IN" dirty="0"/>
+          </a:p>
+          <a:p>
+            <a:r>
+              <a:rPr lang="en-IN" dirty="0"/>
+              <a:t>Using </a:t>
+            </a:r>
+            <a:r>
+              <a:rPr lang="en-IN" dirty="0" err="1"/>
+              <a:t>SpringData</a:t>
+            </a:r>
+            <a:r>
+              <a:rPr lang="en-IN" dirty="0"/>
+              <a:t> JPA and </a:t>
+            </a:r>
+            <a:r>
+              <a:rPr lang="en-IN" dirty="0" err="1"/>
+              <a:t>RestController</a:t>
+            </a:r>
+            <a:r>
+              <a:rPr lang="en-IN" dirty="0"/>
+              <a:t> create REST end points /</a:t>
+            </a:r>
+            <a:r>
+              <a:rPr lang="en-IN" dirty="0" err="1"/>
+              <a:t>ott</a:t>
+            </a:r>
+            <a:r>
+              <a:rPr lang="en-IN" dirty="0"/>
+              <a:t>  for full CRUD.</a:t>
+            </a:r>
+          </a:p>
+          <a:p>
+            <a:r>
+              <a:rPr lang="en-IN" dirty="0"/>
+              <a:t>Using Swagger do testing.</a:t>
+            </a:r>
+          </a:p>
+          <a:p>
+            <a:r>
+              <a:rPr lang="en-IN" dirty="0"/>
+              <a:t>Using Swagger annotation document the API</a:t>
+            </a:r>
+          </a:p>
+          <a:p>
+            <a:r>
+              <a:rPr lang="en-IN" dirty="0"/>
+              <a:t>Use different HTTP Status code </a:t>
+            </a:r>
+            <a:r>
+              <a:rPr lang="en-IN" dirty="0" err="1"/>
+              <a:t>alongwith</a:t>
+            </a:r>
+            <a:r>
+              <a:rPr lang="en-IN" dirty="0"/>
+              <a:t> the Rest </a:t>
+            </a:r>
+            <a:r>
+              <a:rPr lang="en-IN"/>
+              <a:t>End Points</a:t>
+            </a:r>
+            <a:endParaRPr lang="en-IN" dirty="0"/>
+          </a:p>
+          <a:p>
+            <a:endParaRPr lang="en-IN" dirty="0"/>
+          </a:p>
+          <a:p>
+            <a:endParaRPr lang="en-IN" dirty="0"/>
+          </a:p>
+          <a:p>
+            <a:endParaRPr lang="en-IN" dirty="0"/>
+          </a:p>
+          <a:p>
+            <a:endParaRPr lang="en-IN" dirty="0"/>
+          </a:p>
+          <a:p>
+            <a:r>
+              <a:rPr lang="en-IN" dirty="0"/>
+              <a:t> </a:t>
+            </a:r>
+          </a:p>
+        </p:txBody>
+      </p:sp>
+    </p:spTree>
+    <p:extLst>
+      <p:ext uri="{BB962C8B-B14F-4D97-AF65-F5344CB8AC3E}">
+        <p14:creationId xmlns:p14="http://schemas.microsoft.com/office/powerpoint/2010/main" val="3971845969"/>
+      </p:ext>
+    </p:extLst>
+  </p:cSld>
+  <p:clrMapOvr>
+    <a:masterClrMapping/>
+  </p:clrMapOvr>
+</p:sld>
+</file>
+
+<file path=ppt/slides/slide3.xml><?xml version="1.0" encoding="utf-8"?>
+<p:sld xmlns:a="http://schemas.openxmlformats.org/drawingml/2006/main" xmlns:r="http://schemas.openxmlformats.org/officeDocument/2006/relationships" xmlns:p="http://schemas.openxmlformats.org/presentationml/2006/main">
+  <p:cSld>
+    <p:spTree>
+      <p:nvGrpSpPr>
+        <p:cNvPr id="1" name=""/>
+        <p:cNvGrpSpPr/>
+        <p:nvPr/>
+      </p:nvGrpSpPr>
+      <p:grpSpPr>
+        <a:xfrm>
+          <a:off x="0" y="0"/>
+          <a:ext cx="0" cy="0"/>
+          <a:chOff x="0" y="0"/>
+          <a:chExt cx="0" cy="0"/>
+        </a:xfrm>
+      </p:grpSpPr>
+      <p:sp>
+        <p:nvSpPr>
+          <p:cNvPr id="2" name="TextBox 1">
+            <a:extLst>
+              <a:ext uri="{FF2B5EF4-FFF2-40B4-BE49-F238E27FC236}">
+                <a16:creationId xmlns:a16="http://schemas.microsoft.com/office/drawing/2014/main" id="{47F7AD71-1453-73CF-5EBE-0BE7EEB22B6A}"/>
+              </a:ext>
+            </a:extLst>
+          </p:cNvPr>
+          <p:cNvSpPr txBox="1"/>
+          <p:nvPr/>
+        </p:nvSpPr>
+        <p:spPr>
+          <a:xfrm>
+            <a:off x="1229710" y="606972"/>
             <a:ext cx="8631621" cy="6186309"/>
           </a:xfrm>
           <a:prstGeom prst="rect">
@@ -3597,7 +3819,296 @@
 </p:sld>
 </file>
 
-<file path=ppt/slides/slide3.xml><?xml version="1.0" encoding="utf-8"?>
+<file path=ppt/slides/slide4.xml><?xml version="1.0" encoding="utf-8"?>
+<p:sld xmlns:a="http://schemas.openxmlformats.org/drawingml/2006/main" xmlns:r="http://schemas.openxmlformats.org/officeDocument/2006/relationships" xmlns:p="http://schemas.openxmlformats.org/presentationml/2006/main">
+  <p:cSld>
+    <p:spTree>
+      <p:nvGrpSpPr>
+        <p:cNvPr id="1" name=""/>
+        <p:cNvGrpSpPr/>
+        <p:nvPr/>
+      </p:nvGrpSpPr>
+      <p:grpSpPr>
+        <a:xfrm>
+          <a:off x="0" y="0"/>
+          <a:ext cx="0" cy="0"/>
+          <a:chOff x="0" y="0"/>
+          <a:chExt cx="0" cy="0"/>
+        </a:xfrm>
+      </p:grpSpPr>
+      <p:sp>
+        <p:nvSpPr>
+          <p:cNvPr id="2" name="TextBox 1">
+            <a:extLst>
+              <a:ext uri="{FF2B5EF4-FFF2-40B4-BE49-F238E27FC236}">
+                <a16:creationId xmlns:a16="http://schemas.microsoft.com/office/drawing/2014/main" id="{E75A21AC-0E9F-BD89-0DA7-661809CDAE14}"/>
+              </a:ext>
+            </a:extLst>
+          </p:cNvPr>
+          <p:cNvSpPr txBox="1"/>
+          <p:nvPr/>
+        </p:nvSpPr>
+        <p:spPr>
+          <a:xfrm>
+            <a:off x="1008993" y="409903"/>
+            <a:ext cx="10105697" cy="1200329"/>
+          </a:xfrm>
+          <a:prstGeom prst="rect">
+            <a:avLst/>
+          </a:prstGeom>
+          <a:noFill/>
+        </p:spPr>
+        <p:txBody>
+          <a:bodyPr wrap="square" rtlCol="0">
+            <a:spAutoFit/>
+          </a:bodyPr>
+          <a:lstStyle/>
+          <a:p>
+            <a:r>
+              <a:rPr lang="en-IN" dirty="0"/>
+              <a:t>HTTP STATUS CODE :</a:t>
+            </a:r>
+          </a:p>
+          <a:p>
+            <a:endParaRPr lang="en-IN" dirty="0"/>
+          </a:p>
+          <a:p>
+            <a:endParaRPr lang="en-IN" dirty="0"/>
+          </a:p>
+          <a:p>
+            <a:endParaRPr lang="en-IN" dirty="0"/>
+          </a:p>
+        </p:txBody>
+      </p:sp>
+      <p:cxnSp>
+        <p:nvCxnSpPr>
+          <p:cNvPr id="4" name="Straight Arrow Connector 3">
+            <a:extLst>
+              <a:ext uri="{FF2B5EF4-FFF2-40B4-BE49-F238E27FC236}">
+                <a16:creationId xmlns:a16="http://schemas.microsoft.com/office/drawing/2014/main" id="{4F849EDA-2A81-2A28-C9F4-2933DEC421CC}"/>
+              </a:ext>
+            </a:extLst>
+          </p:cNvPr>
+          <p:cNvCxnSpPr>
+            <a:cxnSpLocks/>
+          </p:cNvCxnSpPr>
+          <p:nvPr/>
+        </p:nvCxnSpPr>
+        <p:spPr>
+          <a:xfrm>
+            <a:off x="2672255" y="3602421"/>
+            <a:ext cx="4950373" cy="110358"/>
+          </a:xfrm>
+          <a:prstGeom prst="straightConnector1">
+            <a:avLst/>
+          </a:prstGeom>
+          <a:ln>
+            <a:tailEnd type="triangle"/>
+          </a:ln>
+        </p:spPr>
+        <p:style>
+          <a:lnRef idx="1">
+            <a:schemeClr val="accent1"/>
+          </a:lnRef>
+          <a:fillRef idx="0">
+            <a:schemeClr val="accent1"/>
+          </a:fillRef>
+          <a:effectRef idx="0">
+            <a:schemeClr val="accent1"/>
+          </a:effectRef>
+          <a:fontRef idx="minor">
+            <a:schemeClr val="tx1"/>
+          </a:fontRef>
+        </p:style>
+      </p:cxnSp>
+      <p:sp>
+        <p:nvSpPr>
+          <p:cNvPr id="5" name="Rectangle 4">
+            <a:extLst>
+              <a:ext uri="{FF2B5EF4-FFF2-40B4-BE49-F238E27FC236}">
+                <a16:creationId xmlns:a16="http://schemas.microsoft.com/office/drawing/2014/main" id="{9708DE10-D6C1-44D6-89C1-128AD4127EE3}"/>
+              </a:ext>
+            </a:extLst>
+          </p:cNvPr>
+          <p:cNvSpPr/>
+          <p:nvPr/>
+        </p:nvSpPr>
+        <p:spPr>
+          <a:xfrm>
+            <a:off x="7622628" y="3492062"/>
+            <a:ext cx="2719551" cy="1079938"/>
+          </a:xfrm>
+          <a:prstGeom prst="rect">
+            <a:avLst/>
+          </a:prstGeom>
+        </p:spPr>
+        <p:style>
+          <a:lnRef idx="2">
+            <a:schemeClr val="accent1">
+              <a:shade val="15000"/>
+            </a:schemeClr>
+          </a:lnRef>
+          <a:fillRef idx="1">
+            <a:schemeClr val="accent1"/>
+          </a:fillRef>
+          <a:effectRef idx="0">
+            <a:schemeClr val="accent1"/>
+          </a:effectRef>
+          <a:fontRef idx="minor">
+            <a:schemeClr val="lt1"/>
+          </a:fontRef>
+        </p:style>
+        <p:txBody>
+          <a:bodyPr rtlCol="0" anchor="ctr"/>
+          <a:lstStyle/>
+          <a:p>
+            <a:pPr algn="ctr"/>
+            <a:r>
+              <a:rPr lang="en-IN" dirty="0"/>
+              <a:t>Server</a:t>
+            </a:r>
+          </a:p>
+        </p:txBody>
+      </p:sp>
+      <p:sp>
+        <p:nvSpPr>
+          <p:cNvPr id="6" name="TextBox 5">
+            <a:extLst>
+              <a:ext uri="{FF2B5EF4-FFF2-40B4-BE49-F238E27FC236}">
+                <a16:creationId xmlns:a16="http://schemas.microsoft.com/office/drawing/2014/main" id="{CC77D3E0-9DAA-C3D1-8F3A-04404CC47E35}"/>
+              </a:ext>
+            </a:extLst>
+          </p:cNvPr>
+          <p:cNvSpPr txBox="1"/>
+          <p:nvPr/>
+        </p:nvSpPr>
+        <p:spPr>
+          <a:xfrm>
+            <a:off x="3565634" y="2679091"/>
+            <a:ext cx="4183117" cy="923330"/>
+          </a:xfrm>
+          <a:prstGeom prst="rect">
+            <a:avLst/>
+          </a:prstGeom>
+          <a:noFill/>
+        </p:spPr>
+        <p:txBody>
+          <a:bodyPr wrap="square" rtlCol="0">
+            <a:spAutoFit/>
+          </a:bodyPr>
+          <a:lstStyle/>
+          <a:p>
+            <a:endParaRPr lang="en-IN" dirty="0"/>
+          </a:p>
+          <a:p>
+            <a:r>
+              <a:rPr lang="en-IN" dirty="0"/>
+              <a:t>http request-&gt;Payload</a:t>
+            </a:r>
+          </a:p>
+          <a:p>
+            <a:r>
+              <a:rPr lang="en-IN" dirty="0"/>
+              <a:t>http headers</a:t>
+            </a:r>
+          </a:p>
+        </p:txBody>
+      </p:sp>
+      <p:sp>
+        <p:nvSpPr>
+          <p:cNvPr id="8" name="TextBox 7">
+            <a:extLst>
+              <a:ext uri="{FF2B5EF4-FFF2-40B4-BE49-F238E27FC236}">
+                <a16:creationId xmlns:a16="http://schemas.microsoft.com/office/drawing/2014/main" id="{8EC8C44D-59F1-FBBC-E633-7086C461CEBD}"/>
+              </a:ext>
+            </a:extLst>
+          </p:cNvPr>
+          <p:cNvSpPr txBox="1"/>
+          <p:nvPr/>
+        </p:nvSpPr>
+        <p:spPr>
+          <a:xfrm>
+            <a:off x="3347545" y="3680725"/>
+            <a:ext cx="4183117" cy="2308324"/>
+          </a:xfrm>
+          <a:prstGeom prst="rect">
+            <a:avLst/>
+          </a:prstGeom>
+          <a:noFill/>
+        </p:spPr>
+        <p:txBody>
+          <a:bodyPr wrap="square" rtlCol="0">
+            <a:spAutoFit/>
+          </a:bodyPr>
+          <a:lstStyle/>
+          <a:p>
+            <a:endParaRPr lang="en-IN" dirty="0"/>
+          </a:p>
+          <a:p>
+            <a:r>
+              <a:rPr lang="en-IN" dirty="0"/>
+              <a:t>http response-&gt; </a:t>
+            </a:r>
+            <a:r>
+              <a:rPr lang="en-IN" dirty="0" err="1"/>
+              <a:t>Reponse</a:t>
+            </a:r>
+            <a:endParaRPr lang="en-IN" dirty="0"/>
+          </a:p>
+          <a:p>
+            <a:r>
+              <a:rPr lang="en-IN" dirty="0"/>
+              <a:t>http status code</a:t>
+            </a:r>
+          </a:p>
+          <a:p>
+            <a:endParaRPr lang="en-IN" dirty="0"/>
+          </a:p>
+          <a:p>
+            <a:r>
+              <a:rPr lang="en-IN" dirty="0"/>
+              <a:t>200 -&gt; </a:t>
+            </a:r>
+            <a:r>
+              <a:rPr lang="en-IN" dirty="0" err="1"/>
+              <a:t>Sucesss</a:t>
+            </a:r>
+            <a:endParaRPr lang="en-IN" dirty="0"/>
+          </a:p>
+          <a:p>
+            <a:r>
+              <a:rPr lang="en-IN" dirty="0"/>
+              <a:t>201 -&gt; Created</a:t>
+            </a:r>
+          </a:p>
+          <a:p>
+            <a:r>
+              <a:rPr lang="en-IN" dirty="0"/>
+              <a:t>403-&gt; Access denied</a:t>
+            </a:r>
+          </a:p>
+          <a:p>
+            <a:r>
+              <a:rPr lang="en-IN" dirty="0"/>
+              <a:t>400 -&gt; Not found</a:t>
+            </a:r>
+          </a:p>
+        </p:txBody>
+      </p:sp>
+    </p:spTree>
+    <p:extLst>
+      <p:ext uri="{BB962C8B-B14F-4D97-AF65-F5344CB8AC3E}">
+        <p14:creationId xmlns:p14="http://schemas.microsoft.com/office/powerpoint/2010/main" val="3599188850"/>
+      </p:ext>
+    </p:extLst>
+  </p:cSld>
+  <p:clrMapOvr>
+    <a:masterClrMapping/>
+  </p:clrMapOvr>
+</p:sld>
+</file>
+
+<file path=ppt/slides/slide5.xml><?xml version="1.0" encoding="utf-8"?>
 <p:sld xmlns:a="http://schemas.openxmlformats.org/drawingml/2006/main" xmlns:r="http://schemas.openxmlformats.org/officeDocument/2006/relationships" xmlns:p="http://schemas.openxmlformats.org/presentationml/2006/main">
   <p:cSld>
     <p:spTree>
